--- a/demo/AR_Digital_Inclusion.pptx
+++ b/demo/AR_Digital_Inclusion.pptx
@@ -8,6 +8,7 @@
     <p:sldId id="263" r:id="rId2"/>
     <p:sldId id="257" r:id="rId3"/>
     <p:sldId id="258" r:id="rId4"/>
+    <p:sldId id="264" r:id="rId5"/>
   </p:sldIdLst>
   <p:sldSz cx="9144000" cy="5143500" type="screen16x9"/>
   <p:notesSz cx="6858000" cy="9144000"/>
@@ -2764,7 +2765,7 @@
             <a:fld id="{3F68FF64-15E0-47A7-8335-A2013406792A}" type="datetimeFigureOut">
               <a:rPr lang="en-US" smtClean="0"/>
               <a:pPr/>
-              <a:t>12/13/2020</a:t>
+              <a:t>12/14/2020</a:t>
             </a:fld>
             <a:endParaRPr lang="en-IN"/>
           </a:p>
@@ -2931,7 +2932,7 @@
             <a:fld id="{3F68FF64-15E0-47A7-8335-A2013406792A}" type="datetimeFigureOut">
               <a:rPr lang="en-US" smtClean="0"/>
               <a:pPr/>
-              <a:t>12/13/2020</a:t>
+              <a:t>12/14/2020</a:t>
             </a:fld>
             <a:endParaRPr lang="en-IN"/>
           </a:p>
@@ -3108,7 +3109,7 @@
             <a:fld id="{3F68FF64-15E0-47A7-8335-A2013406792A}" type="datetimeFigureOut">
               <a:rPr lang="en-US" smtClean="0"/>
               <a:pPr/>
-              <a:t>12/13/2020</a:t>
+              <a:t>12/14/2020</a:t>
             </a:fld>
             <a:endParaRPr lang="en-IN"/>
           </a:p>
@@ -3187,7 +3188,7 @@
           <p:cNvPr id="5" name="Rectangle 4">
             <a:extLst>
               <a:ext uri="{FF2B5EF4-FFF2-40B4-BE49-F238E27FC236}">
-                <a16:creationId xmlns="" xmlns:a16="http://schemas.microsoft.com/office/drawing/2014/main" id="{FB38C5F0-DD3F-421F-B67F-B1E6D9834A54}"/>
+                <a16:creationId xmlns:a16="http://schemas.microsoft.com/office/drawing/2014/main" xmlns="" id="{FB38C5F0-DD3F-421F-B67F-B1E6D9834A54}"/>
               </a:ext>
             </a:extLst>
           </p:cNvPr>
@@ -3262,7 +3263,7 @@
           <p:cNvPr id="10" name="Picture Placeholder 9">
             <a:extLst>
               <a:ext uri="{FF2B5EF4-FFF2-40B4-BE49-F238E27FC236}">
-                <a16:creationId xmlns="" xmlns:a16="http://schemas.microsoft.com/office/drawing/2014/main" id="{140927D5-AE1A-4ABD-BD8F-2F78723FF0D6}"/>
+                <a16:creationId xmlns:a16="http://schemas.microsoft.com/office/drawing/2014/main" xmlns="" id="{140927D5-AE1A-4ABD-BD8F-2F78723FF0D6}"/>
               </a:ext>
             </a:extLst>
           </p:cNvPr>
@@ -3312,7 +3313,7 @@
           <p:cNvPr id="9" name="Graphic 2">
             <a:extLst>
               <a:ext uri="{FF2B5EF4-FFF2-40B4-BE49-F238E27FC236}">
-                <a16:creationId xmlns="" xmlns:a16="http://schemas.microsoft.com/office/drawing/2014/main" id="{07258B3B-F27C-4B7D-A23C-8548E3945C82}"/>
+                <a16:creationId xmlns:a16="http://schemas.microsoft.com/office/drawing/2014/main" xmlns="" id="{07258B3B-F27C-4B7D-A23C-8548E3945C82}"/>
               </a:ext>
             </a:extLst>
           </p:cNvPr>
@@ -3522,7 +3523,7 @@
           <p:cNvPr id="11" name="Graphic 1318">
             <a:extLst>
               <a:ext uri="{FF2B5EF4-FFF2-40B4-BE49-F238E27FC236}">
-                <a16:creationId xmlns="" xmlns:a16="http://schemas.microsoft.com/office/drawing/2014/main" id="{1C96E32E-5EED-4364-AD42-000B0644E093}"/>
+                <a16:creationId xmlns:a16="http://schemas.microsoft.com/office/drawing/2014/main" xmlns="" id="{1C96E32E-5EED-4364-AD42-000B0644E093}"/>
               </a:ext>
             </a:extLst>
           </p:cNvPr>
@@ -3653,7 +3654,7 @@
           <p:cNvPr id="2" name="Title 1">
             <a:extLst>
               <a:ext uri="{FF2B5EF4-FFF2-40B4-BE49-F238E27FC236}">
-                <a16:creationId xmlns="" xmlns:a16="http://schemas.microsoft.com/office/drawing/2014/main" id="{8487E03C-DE68-4CE8-A7F1-B9DD28846BC8}"/>
+                <a16:creationId xmlns:a16="http://schemas.microsoft.com/office/drawing/2014/main" xmlns="" id="{8487E03C-DE68-4CE8-A7F1-B9DD28846BC8}"/>
               </a:ext>
             </a:extLst>
           </p:cNvPr>
@@ -3698,7 +3699,7 @@
           <p:cNvPr id="3" name="Subtitle 2">
             <a:extLst>
               <a:ext uri="{FF2B5EF4-FFF2-40B4-BE49-F238E27FC236}">
-                <a16:creationId xmlns="" xmlns:a16="http://schemas.microsoft.com/office/drawing/2014/main" id="{7EEE8855-FE55-4351-B21B-FE33CB8050C1}"/>
+                <a16:creationId xmlns:a16="http://schemas.microsoft.com/office/drawing/2014/main" xmlns="" id="{7EEE8855-FE55-4351-B21B-FE33CB8050C1}"/>
               </a:ext>
             </a:extLst>
           </p:cNvPr>
@@ -3773,7 +3774,7 @@
           <p:cNvPr id="7" name="Rectangle 6">
             <a:extLst>
               <a:ext uri="{FF2B5EF4-FFF2-40B4-BE49-F238E27FC236}">
-                <a16:creationId xmlns="" xmlns:a16="http://schemas.microsoft.com/office/drawing/2014/main" id="{3C922C40-AA75-4865-AF08-92AD59937F32}"/>
+                <a16:creationId xmlns:a16="http://schemas.microsoft.com/office/drawing/2014/main" xmlns="" id="{3C922C40-AA75-4865-AF08-92AD59937F32}"/>
               </a:ext>
             </a:extLst>
           </p:cNvPr>
@@ -3843,7 +3844,7 @@
           <p:cNvPr id="6" name="Rectangle 5">
             <a:extLst>
               <a:ext uri="{FF2B5EF4-FFF2-40B4-BE49-F238E27FC236}">
-                <a16:creationId xmlns="" xmlns:a16="http://schemas.microsoft.com/office/drawing/2014/main" id="{A860F26B-727B-4098-8DA8-CB088D629D58}"/>
+                <a16:creationId xmlns:a16="http://schemas.microsoft.com/office/drawing/2014/main" xmlns="" id="{A860F26B-727B-4098-8DA8-CB088D629D58}"/>
               </a:ext>
             </a:extLst>
           </p:cNvPr>
@@ -3895,7 +3896,7 @@
           <p:cNvPr id="13" name="Oval 12">
             <a:extLst>
               <a:ext uri="{FF2B5EF4-FFF2-40B4-BE49-F238E27FC236}">
-                <a16:creationId xmlns="" xmlns:a16="http://schemas.microsoft.com/office/drawing/2014/main" id="{5E751D76-8783-4005-B4E5-D67E235A5BAD}"/>
+                <a16:creationId xmlns:a16="http://schemas.microsoft.com/office/drawing/2014/main" xmlns="" id="{5E751D76-8783-4005-B4E5-D67E235A5BAD}"/>
               </a:ext>
             </a:extLst>
           </p:cNvPr>
@@ -3968,7 +3969,7 @@
           <p:cNvPr id="14" name="Oval 13">
             <a:extLst>
               <a:ext uri="{FF2B5EF4-FFF2-40B4-BE49-F238E27FC236}">
-                <a16:creationId xmlns="" xmlns:a16="http://schemas.microsoft.com/office/drawing/2014/main" id="{966C7A50-4018-4974-AB47-424E0ECC0F14}"/>
+                <a16:creationId xmlns:a16="http://schemas.microsoft.com/office/drawing/2014/main" xmlns="" id="{966C7A50-4018-4974-AB47-424E0ECC0F14}"/>
               </a:ext>
             </a:extLst>
           </p:cNvPr>
@@ -4034,7 +4035,7 @@
           <p:cNvPr id="15" name="Oval 14">
             <a:extLst>
               <a:ext uri="{FF2B5EF4-FFF2-40B4-BE49-F238E27FC236}">
-                <a16:creationId xmlns="" xmlns:a16="http://schemas.microsoft.com/office/drawing/2014/main" id="{478306B7-6A26-45F7-BD50-EEC8AB3C29B7}"/>
+                <a16:creationId xmlns:a16="http://schemas.microsoft.com/office/drawing/2014/main" xmlns="" id="{478306B7-6A26-45F7-BD50-EEC8AB3C29B7}"/>
               </a:ext>
             </a:extLst>
           </p:cNvPr>
@@ -4098,7 +4099,7 @@
     </p:spTree>
     <p:extLst>
       <p:ext uri="{BB962C8B-B14F-4D97-AF65-F5344CB8AC3E}">
-        <p14:creationId xmlns="" xmlns:p14="http://schemas.microsoft.com/office/powerpoint/2010/main" val="80426409"/>
+        <p14:creationId xmlns:p14="http://schemas.microsoft.com/office/powerpoint/2010/main" xmlns="" val="80426409"/>
       </p:ext>
     </p:extLst>
   </p:cSld>
@@ -4218,7 +4219,7 @@
             <a:fld id="{3F68FF64-15E0-47A7-8335-A2013406792A}" type="datetimeFigureOut">
               <a:rPr lang="en-US" smtClean="0"/>
               <a:pPr/>
-              <a:t>12/13/2020</a:t>
+              <a:t>12/14/2020</a:t>
             </a:fld>
             <a:endParaRPr lang="en-IN"/>
           </a:p>
@@ -4461,7 +4462,7 @@
             <a:fld id="{3F68FF64-15E0-47A7-8335-A2013406792A}" type="datetimeFigureOut">
               <a:rPr lang="en-US" smtClean="0"/>
               <a:pPr/>
-              <a:t>12/13/2020</a:t>
+              <a:t>12/14/2020</a:t>
             </a:fld>
             <a:endParaRPr lang="en-IN"/>
           </a:p>
@@ -4746,7 +4747,7 @@
             <a:fld id="{3F68FF64-15E0-47A7-8335-A2013406792A}" type="datetimeFigureOut">
               <a:rPr lang="en-US" smtClean="0"/>
               <a:pPr/>
-              <a:t>12/13/2020</a:t>
+              <a:t>12/14/2020</a:t>
             </a:fld>
             <a:endParaRPr lang="en-IN"/>
           </a:p>
@@ -5165,7 +5166,7 @@
             <a:fld id="{3F68FF64-15E0-47A7-8335-A2013406792A}" type="datetimeFigureOut">
               <a:rPr lang="en-US" smtClean="0"/>
               <a:pPr/>
-              <a:t>12/13/2020</a:t>
+              <a:t>12/14/2020</a:t>
             </a:fld>
             <a:endParaRPr lang="en-IN"/>
           </a:p>
@@ -5280,7 +5281,7 @@
             <a:fld id="{3F68FF64-15E0-47A7-8335-A2013406792A}" type="datetimeFigureOut">
               <a:rPr lang="en-US" smtClean="0"/>
               <a:pPr/>
-              <a:t>12/13/2020</a:t>
+              <a:t>12/14/2020</a:t>
             </a:fld>
             <a:endParaRPr lang="en-IN"/>
           </a:p>
@@ -5372,7 +5373,7 @@
             <a:fld id="{3F68FF64-15E0-47A7-8335-A2013406792A}" type="datetimeFigureOut">
               <a:rPr lang="en-US" smtClean="0"/>
               <a:pPr/>
-              <a:t>12/13/2020</a:t>
+              <a:t>12/14/2020</a:t>
             </a:fld>
             <a:endParaRPr lang="en-IN"/>
           </a:p>
@@ -5646,7 +5647,7 @@
             <a:fld id="{3F68FF64-15E0-47A7-8335-A2013406792A}" type="datetimeFigureOut">
               <a:rPr lang="en-US" smtClean="0"/>
               <a:pPr/>
-              <a:t>12/13/2020</a:t>
+              <a:t>12/14/2020</a:t>
             </a:fld>
             <a:endParaRPr lang="en-IN"/>
           </a:p>
@@ -5896,7 +5897,7 @@
             <a:fld id="{3F68FF64-15E0-47A7-8335-A2013406792A}" type="datetimeFigureOut">
               <a:rPr lang="en-US" smtClean="0"/>
               <a:pPr/>
-              <a:t>12/13/2020</a:t>
+              <a:t>12/14/2020</a:t>
             </a:fld>
             <a:endParaRPr lang="en-IN"/>
           </a:p>
@@ -6106,7 +6107,7 @@
             <a:fld id="{3F68FF64-15E0-47A7-8335-A2013406792A}" type="datetimeFigureOut">
               <a:rPr lang="en-US" smtClean="0"/>
               <a:pPr/>
-              <a:t>12/13/2020</a:t>
+              <a:t>12/14/2020</a:t>
             </a:fld>
             <a:endParaRPr lang="en-IN"/>
           </a:p>
@@ -6483,7 +6484,7 @@
           <p:cNvPr id="4" name="Title 3">
             <a:extLst>
               <a:ext uri="{FF2B5EF4-FFF2-40B4-BE49-F238E27FC236}">
-                <a16:creationId xmlns="" xmlns:a16="http://schemas.microsoft.com/office/drawing/2014/main" id="{D65A836F-346F-4099-BC7B-0D8F3B27F395}"/>
+                <a16:creationId xmlns:a16="http://schemas.microsoft.com/office/drawing/2014/main" xmlns="" id="{D65A836F-346F-4099-BC7B-0D8F3B27F395}"/>
               </a:ext>
             </a:extLst>
           </p:cNvPr>
@@ -6514,7 +6515,7 @@
           <p:cNvPr id="5" name="Subtitle 4">
             <a:extLst>
               <a:ext uri="{FF2B5EF4-FFF2-40B4-BE49-F238E27FC236}">
-                <a16:creationId xmlns="" xmlns:a16="http://schemas.microsoft.com/office/drawing/2014/main" id="{1FF39718-6251-4A5A-AAC7-767229317836}"/>
+                <a16:creationId xmlns:a16="http://schemas.microsoft.com/office/drawing/2014/main" xmlns="" id="{1FF39718-6251-4A5A-AAC7-767229317836}"/>
               </a:ext>
             </a:extLst>
           </p:cNvPr>
@@ -6579,7 +6580,7 @@
           <p:cNvPr id="11" name="Picture Placeholder 10" descr="Chemical composition model placed on the periodic table">
             <a:extLst>
               <a:ext uri="{FF2B5EF4-FFF2-40B4-BE49-F238E27FC236}">
-                <a16:creationId xmlns="" xmlns:a16="http://schemas.microsoft.com/office/drawing/2014/main" id="{AE2C20E2-EFA3-4244-944C-0AF879ED2A25}"/>
+                <a16:creationId xmlns:a16="http://schemas.microsoft.com/office/drawing/2014/main" xmlns="" id="{AE2C20E2-EFA3-4244-944C-0AF879ED2A25}"/>
               </a:ext>
             </a:extLst>
           </p:cNvPr>
@@ -6594,7 +6595,7 @@
           <a:blip r:embed="rId2" cstate="screen">
             <a:extLst>
               <a:ext uri="{28A0092B-C50C-407E-A947-70E740481C1C}">
-                <a14:useLocalDpi xmlns="" xmlns:a14="http://schemas.microsoft.com/office/drawing/2010/main"/>
+                <a14:useLocalDpi xmlns:a14="http://schemas.microsoft.com/office/drawing/2010/main" xmlns=""/>
               </a:ext>
             </a:extLst>
           </a:blip>
@@ -6611,7 +6612,7 @@
     </p:spTree>
     <p:extLst>
       <p:ext uri="{BB962C8B-B14F-4D97-AF65-F5344CB8AC3E}">
-        <p14:creationId xmlns="" xmlns:p14="http://schemas.microsoft.com/office/powerpoint/2010/main" val="473519245"/>
+        <p14:creationId xmlns:p14="http://schemas.microsoft.com/office/powerpoint/2010/main" xmlns="" val="473519245"/>
       </p:ext>
     </p:extLst>
   </p:cSld>
@@ -6805,7 +6806,7 @@
           <p:cNvPr id="8" name="Content Placeholder 4">
             <a:extLst>
               <a:ext uri="{FF2B5EF4-FFF2-40B4-BE49-F238E27FC236}">
-                <a16:creationId xmlns="" xmlns:a16="http://schemas.microsoft.com/office/drawing/2014/main" id="{CEEB3BAE-C0B2-447C-B8BE-96C6BD84D658}"/>
+                <a16:creationId xmlns:a16="http://schemas.microsoft.com/office/drawing/2014/main" xmlns="" id="{CEEB3BAE-C0B2-447C-B8BE-96C6BD84D658}"/>
               </a:ext>
             </a:extLst>
           </p:cNvPr>
@@ -6878,10 +6879,10 @@
           <p:cNvPr id="12" name="Straight Connector 11">
             <a:extLst>
               <a:ext uri="{FF2B5EF4-FFF2-40B4-BE49-F238E27FC236}">
-                <a16:creationId xmlns="" xmlns:a16="http://schemas.microsoft.com/office/drawing/2014/main" id="{5A563457-1EC8-4978-BCCB-AFD88C9ED04C}"/>
+                <a16:creationId xmlns:a16="http://schemas.microsoft.com/office/drawing/2014/main" xmlns="" id="{5A563457-1EC8-4978-BCCB-AFD88C9ED04C}"/>
               </a:ext>
               <a:ext uri="{C183D7F6-B498-43B3-948B-1728B52AA6E4}">
-                <adec:decorative xmlns="" xmlns:adec="http://schemas.microsoft.com/office/drawing/2017/decorative" val="1"/>
+                <adec:decorative xmlns:adec="http://schemas.microsoft.com/office/drawing/2017/decorative" xmlns="" val="1"/>
               </a:ext>
             </a:extLst>
           </p:cNvPr>
@@ -6924,10 +6925,10 @@
           <p:cNvPr id="13" name="Straight Connector 12">
             <a:extLst>
               <a:ext uri="{FF2B5EF4-FFF2-40B4-BE49-F238E27FC236}">
-                <a16:creationId xmlns="" xmlns:a16="http://schemas.microsoft.com/office/drawing/2014/main" id="{5A563457-1EC8-4978-BCCB-AFD88C9ED04C}"/>
+                <a16:creationId xmlns:a16="http://schemas.microsoft.com/office/drawing/2014/main" xmlns="" id="{5A563457-1EC8-4978-BCCB-AFD88C9ED04C}"/>
               </a:ext>
               <a:ext uri="{C183D7F6-B498-43B3-948B-1728B52AA6E4}">
-                <adec:decorative xmlns="" xmlns:adec="http://schemas.microsoft.com/office/drawing/2017/decorative" val="1"/>
+                <adec:decorative xmlns:adec="http://schemas.microsoft.com/office/drawing/2017/decorative" xmlns="" val="1"/>
               </a:ext>
             </a:extLst>
           </p:cNvPr>
@@ -7049,11 +7050,7 @@
           <a:p>
             <a:r>
               <a:rPr lang="en-IN" sz="1600" dirty="0" smtClean="0"/>
-              <a:t>ATMs to become virtual bank </a:t>
-            </a:r>
-            <a:r>
-              <a:rPr lang="en-IN" sz="1600" dirty="0" smtClean="0"/>
-              <a:t>branches</a:t>
+              <a:t>ATMs to become virtual bank branches</a:t>
             </a:r>
           </a:p>
           <a:p>
@@ -7497,10 +7494,10 @@
           <p:cNvPr id="24" name="Straight Connector 23">
             <a:extLst>
               <a:ext uri="{FF2B5EF4-FFF2-40B4-BE49-F238E27FC236}">
-                <a16:creationId xmlns="" xmlns:a16="http://schemas.microsoft.com/office/drawing/2014/main" id="{5A563457-1EC8-4978-BCCB-AFD88C9ED04C}"/>
+                <a16:creationId xmlns:a16="http://schemas.microsoft.com/office/drawing/2014/main" xmlns="" id="{5A563457-1EC8-4978-BCCB-AFD88C9ED04C}"/>
               </a:ext>
               <a:ext uri="{C183D7F6-B498-43B3-948B-1728B52AA6E4}">
-                <adec:decorative xmlns="" xmlns:adec="http://schemas.microsoft.com/office/drawing/2017/decorative" val="1"/>
+                <adec:decorative xmlns:adec="http://schemas.microsoft.com/office/drawing/2017/decorative" xmlns="" val="1"/>
               </a:ext>
             </a:extLst>
           </p:cNvPr>
@@ -7541,10 +7538,10 @@
           <p:cNvPr id="28" name="Straight Connector 27">
             <a:extLst>
               <a:ext uri="{FF2B5EF4-FFF2-40B4-BE49-F238E27FC236}">
-                <a16:creationId xmlns="" xmlns:a16="http://schemas.microsoft.com/office/drawing/2014/main" id="{5A563457-1EC8-4978-BCCB-AFD88C9ED04C}"/>
+                <a16:creationId xmlns:a16="http://schemas.microsoft.com/office/drawing/2014/main" xmlns="" id="{5A563457-1EC8-4978-BCCB-AFD88C9ED04C}"/>
               </a:ext>
               <a:ext uri="{C183D7F6-B498-43B3-948B-1728B52AA6E4}">
-                <adec:decorative xmlns="" xmlns:adec="http://schemas.microsoft.com/office/drawing/2017/decorative" val="1"/>
+                <adec:decorative xmlns:adec="http://schemas.microsoft.com/office/drawing/2017/decorative" xmlns="" val="1"/>
               </a:ext>
             </a:extLst>
           </p:cNvPr>
@@ -7683,6 +7680,190 @@
       </p:par>
     </p:tnLst>
   </p:timing>
+</p:sld>
+</file>
+
+<file path=ppt/slides/slide4.xml><?xml version="1.0" encoding="utf-8"?>
+<p:sld xmlns:a="http://schemas.openxmlformats.org/drawingml/2006/main" xmlns:r="http://schemas.openxmlformats.org/officeDocument/2006/relationships" xmlns:p="http://schemas.openxmlformats.org/presentationml/2006/main">
+  <p:cSld>
+    <p:spTree>
+      <p:nvGrpSpPr>
+        <p:cNvPr id="1" name=""/>
+        <p:cNvGrpSpPr/>
+        <p:nvPr/>
+      </p:nvGrpSpPr>
+      <p:grpSpPr>
+        <a:xfrm>
+          <a:off x="0" y="0"/>
+          <a:ext cx="0" cy="0"/>
+          <a:chOff x="0" y="0"/>
+          <a:chExt cx="0" cy="0"/>
+        </a:xfrm>
+      </p:grpSpPr>
+      <p:sp>
+        <p:nvSpPr>
+          <p:cNvPr id="3" name="Content Placeholder 2"/>
+          <p:cNvSpPr>
+            <a:spLocks noGrp="1"/>
+          </p:cNvSpPr>
+          <p:nvPr>
+            <p:ph idx="1"/>
+          </p:nvPr>
+        </p:nvSpPr>
+        <p:spPr>
+          <a:xfrm>
+            <a:off x="457200" y="785800"/>
+            <a:ext cx="8229600" cy="3808823"/>
+          </a:xfrm>
+        </p:spPr>
+        <p:txBody>
+          <a:bodyPr/>
+          <a:lstStyle/>
+          <a:p>
+            <a:r>
+              <a:rPr lang="en-US" dirty="0" smtClean="0"/>
+              <a:t>Demo</a:t>
+            </a:r>
+          </a:p>
+          <a:p>
+            <a:endParaRPr lang="en-US" dirty="0" smtClean="0"/>
+          </a:p>
+          <a:p>
+            <a:endParaRPr lang="en-US" dirty="0" smtClean="0"/>
+          </a:p>
+          <a:p>
+            <a:endParaRPr lang="en-US" dirty="0" smtClean="0"/>
+          </a:p>
+          <a:p>
+            <a:endParaRPr lang="en-US" dirty="0" smtClean="0"/>
+          </a:p>
+          <a:p>
+            <a:endParaRPr lang="en-IN" dirty="0"/>
+          </a:p>
+        </p:txBody>
+      </p:sp>
+      <p:sp>
+        <p:nvSpPr>
+          <p:cNvPr id="4" name="Rectangle 3"/>
+          <p:cNvSpPr/>
+          <p:nvPr/>
+        </p:nvSpPr>
+        <p:spPr>
+          <a:xfrm>
+            <a:off x="928662" y="1785932"/>
+            <a:ext cx="3439441" cy="276999"/>
+          </a:xfrm>
+          <a:prstGeom prst="rect">
+            <a:avLst/>
+          </a:prstGeom>
+        </p:spPr>
+        <p:txBody>
+          <a:bodyPr wrap="square">
+            <a:spAutoFit/>
+          </a:bodyPr>
+          <a:lstStyle/>
+          <a:p>
+            <a:r>
+              <a:rPr lang="en-IN" sz="1200" dirty="0" smtClean="0"/>
+              <a:t>https://anbu992003.github.io/work/a.html</a:t>
+            </a:r>
+            <a:endParaRPr lang="en-IN" sz="1200" dirty="0"/>
+          </a:p>
+        </p:txBody>
+      </p:sp>
+      <p:sp>
+        <p:nvSpPr>
+          <p:cNvPr id="5" name="Rectangle 4"/>
+          <p:cNvSpPr/>
+          <p:nvPr/>
+        </p:nvSpPr>
+        <p:spPr>
+          <a:xfrm>
+            <a:off x="928662" y="1428742"/>
+            <a:ext cx="3139642" cy="276999"/>
+          </a:xfrm>
+          <a:prstGeom prst="rect">
+            <a:avLst/>
+          </a:prstGeom>
+        </p:spPr>
+        <p:txBody>
+          <a:bodyPr wrap="none">
+            <a:spAutoFit/>
+          </a:bodyPr>
+          <a:lstStyle/>
+          <a:p>
+            <a:r>
+              <a:rPr lang="en-IN" sz="1200" dirty="0" smtClean="0"/>
+              <a:t>https://</a:t>
+            </a:r>
+            <a:r>
+              <a:rPr lang="en-IN" sz="1200" dirty="0" smtClean="0"/>
+              <a:t>anbu992003.github.io/work/index.html</a:t>
+            </a:r>
+            <a:endParaRPr lang="en-IN" sz="1200" dirty="0"/>
+          </a:p>
+        </p:txBody>
+      </p:sp>
+      <p:sp>
+        <p:nvSpPr>
+          <p:cNvPr id="6" name="Rectangle 5"/>
+          <p:cNvSpPr/>
+          <p:nvPr/>
+        </p:nvSpPr>
+        <p:spPr>
+          <a:xfrm>
+            <a:off x="928694" y="2143122"/>
+            <a:ext cx="4572000" cy="276999"/>
+          </a:xfrm>
+          <a:prstGeom prst="rect">
+            <a:avLst/>
+          </a:prstGeom>
+        </p:spPr>
+        <p:txBody>
+          <a:bodyPr>
+            <a:spAutoFit/>
+          </a:bodyPr>
+          <a:lstStyle/>
+          <a:p>
+            <a:r>
+              <a:rPr lang="en-IN" sz="1200" dirty="0" smtClean="0"/>
+              <a:t>https://github.com/anbu992003/anbu992003.github.io</a:t>
+            </a:r>
+            <a:endParaRPr lang="en-IN" sz="1200" dirty="0"/>
+          </a:p>
+        </p:txBody>
+      </p:sp>
+      <p:pic>
+        <p:nvPicPr>
+          <p:cNvPr id="7" name="Picture 2" descr="C:\Users\admin\AppData\Local\Microsoft\Windows\Temporary Internet Files\Content.IE5\3W7X63NR\question 1[1].jpg"/>
+          <p:cNvPicPr>
+            <a:picLocks noChangeAspect="1" noChangeArrowheads="1"/>
+          </p:cNvPicPr>
+          <p:nvPr/>
+        </p:nvPicPr>
+        <p:blipFill>
+          <a:blip r:embed="rId2"/>
+          <a:srcRect/>
+          <a:stretch>
+            <a:fillRect/>
+          </a:stretch>
+        </p:blipFill>
+        <p:spPr bwMode="auto">
+          <a:xfrm>
+            <a:off x="4786314" y="428610"/>
+            <a:ext cx="4143386" cy="4143386"/>
+          </a:xfrm>
+          <a:prstGeom prst="rect">
+            <a:avLst/>
+          </a:prstGeom>
+          <a:noFill/>
+        </p:spPr>
+      </p:pic>
+    </p:spTree>
+  </p:cSld>
+  <p:clrMapOvr>
+    <a:masterClrMapping/>
+  </p:clrMapOvr>
 </p:sld>
 </file>
 

--- a/demo/AR_Digital_Inclusion.pptx
+++ b/demo/AR_Digital_Inclusion.pptx
@@ -3188,7 +3188,7 @@
           <p:cNvPr id="5" name="Rectangle 4">
             <a:extLst>
               <a:ext uri="{FF2B5EF4-FFF2-40B4-BE49-F238E27FC236}">
-                <a16:creationId xmlns:a16="http://schemas.microsoft.com/office/drawing/2014/main" xmlns="" id="{FB38C5F0-DD3F-421F-B67F-B1E6D9834A54}"/>
+                <a16:creationId xmlns="" xmlns:a16="http://schemas.microsoft.com/office/drawing/2014/main" id="{FB38C5F0-DD3F-421F-B67F-B1E6D9834A54}"/>
               </a:ext>
             </a:extLst>
           </p:cNvPr>
@@ -3263,7 +3263,7 @@
           <p:cNvPr id="10" name="Picture Placeholder 9">
             <a:extLst>
               <a:ext uri="{FF2B5EF4-FFF2-40B4-BE49-F238E27FC236}">
-                <a16:creationId xmlns:a16="http://schemas.microsoft.com/office/drawing/2014/main" xmlns="" id="{140927D5-AE1A-4ABD-BD8F-2F78723FF0D6}"/>
+                <a16:creationId xmlns="" xmlns:a16="http://schemas.microsoft.com/office/drawing/2014/main" id="{140927D5-AE1A-4ABD-BD8F-2F78723FF0D6}"/>
               </a:ext>
             </a:extLst>
           </p:cNvPr>
@@ -3313,7 +3313,7 @@
           <p:cNvPr id="9" name="Graphic 2">
             <a:extLst>
               <a:ext uri="{FF2B5EF4-FFF2-40B4-BE49-F238E27FC236}">
-                <a16:creationId xmlns:a16="http://schemas.microsoft.com/office/drawing/2014/main" xmlns="" id="{07258B3B-F27C-4B7D-A23C-8548E3945C82}"/>
+                <a16:creationId xmlns="" xmlns:a16="http://schemas.microsoft.com/office/drawing/2014/main" id="{07258B3B-F27C-4B7D-A23C-8548E3945C82}"/>
               </a:ext>
             </a:extLst>
           </p:cNvPr>
@@ -3523,7 +3523,7 @@
           <p:cNvPr id="11" name="Graphic 1318">
             <a:extLst>
               <a:ext uri="{FF2B5EF4-FFF2-40B4-BE49-F238E27FC236}">
-                <a16:creationId xmlns:a16="http://schemas.microsoft.com/office/drawing/2014/main" xmlns="" id="{1C96E32E-5EED-4364-AD42-000B0644E093}"/>
+                <a16:creationId xmlns="" xmlns:a16="http://schemas.microsoft.com/office/drawing/2014/main" id="{1C96E32E-5EED-4364-AD42-000B0644E093}"/>
               </a:ext>
             </a:extLst>
           </p:cNvPr>
@@ -3654,7 +3654,7 @@
           <p:cNvPr id="2" name="Title 1">
             <a:extLst>
               <a:ext uri="{FF2B5EF4-FFF2-40B4-BE49-F238E27FC236}">
-                <a16:creationId xmlns:a16="http://schemas.microsoft.com/office/drawing/2014/main" xmlns="" id="{8487E03C-DE68-4CE8-A7F1-B9DD28846BC8}"/>
+                <a16:creationId xmlns="" xmlns:a16="http://schemas.microsoft.com/office/drawing/2014/main" id="{8487E03C-DE68-4CE8-A7F1-B9DD28846BC8}"/>
               </a:ext>
             </a:extLst>
           </p:cNvPr>
@@ -3699,7 +3699,7 @@
           <p:cNvPr id="3" name="Subtitle 2">
             <a:extLst>
               <a:ext uri="{FF2B5EF4-FFF2-40B4-BE49-F238E27FC236}">
-                <a16:creationId xmlns:a16="http://schemas.microsoft.com/office/drawing/2014/main" xmlns="" id="{7EEE8855-FE55-4351-B21B-FE33CB8050C1}"/>
+                <a16:creationId xmlns="" xmlns:a16="http://schemas.microsoft.com/office/drawing/2014/main" id="{7EEE8855-FE55-4351-B21B-FE33CB8050C1}"/>
               </a:ext>
             </a:extLst>
           </p:cNvPr>
@@ -3774,7 +3774,7 @@
           <p:cNvPr id="7" name="Rectangle 6">
             <a:extLst>
               <a:ext uri="{FF2B5EF4-FFF2-40B4-BE49-F238E27FC236}">
-                <a16:creationId xmlns:a16="http://schemas.microsoft.com/office/drawing/2014/main" xmlns="" id="{3C922C40-AA75-4865-AF08-92AD59937F32}"/>
+                <a16:creationId xmlns="" xmlns:a16="http://schemas.microsoft.com/office/drawing/2014/main" id="{3C922C40-AA75-4865-AF08-92AD59937F32}"/>
               </a:ext>
             </a:extLst>
           </p:cNvPr>
@@ -3844,7 +3844,7 @@
           <p:cNvPr id="6" name="Rectangle 5">
             <a:extLst>
               <a:ext uri="{FF2B5EF4-FFF2-40B4-BE49-F238E27FC236}">
-                <a16:creationId xmlns:a16="http://schemas.microsoft.com/office/drawing/2014/main" xmlns="" id="{A860F26B-727B-4098-8DA8-CB088D629D58}"/>
+                <a16:creationId xmlns="" xmlns:a16="http://schemas.microsoft.com/office/drawing/2014/main" id="{A860F26B-727B-4098-8DA8-CB088D629D58}"/>
               </a:ext>
             </a:extLst>
           </p:cNvPr>
@@ -3896,7 +3896,7 @@
           <p:cNvPr id="13" name="Oval 12">
             <a:extLst>
               <a:ext uri="{FF2B5EF4-FFF2-40B4-BE49-F238E27FC236}">
-                <a16:creationId xmlns:a16="http://schemas.microsoft.com/office/drawing/2014/main" xmlns="" id="{5E751D76-8783-4005-B4E5-D67E235A5BAD}"/>
+                <a16:creationId xmlns="" xmlns:a16="http://schemas.microsoft.com/office/drawing/2014/main" id="{5E751D76-8783-4005-B4E5-D67E235A5BAD}"/>
               </a:ext>
             </a:extLst>
           </p:cNvPr>
@@ -3969,7 +3969,7 @@
           <p:cNvPr id="14" name="Oval 13">
             <a:extLst>
               <a:ext uri="{FF2B5EF4-FFF2-40B4-BE49-F238E27FC236}">
-                <a16:creationId xmlns:a16="http://schemas.microsoft.com/office/drawing/2014/main" xmlns="" id="{966C7A50-4018-4974-AB47-424E0ECC0F14}"/>
+                <a16:creationId xmlns="" xmlns:a16="http://schemas.microsoft.com/office/drawing/2014/main" id="{966C7A50-4018-4974-AB47-424E0ECC0F14}"/>
               </a:ext>
             </a:extLst>
           </p:cNvPr>
@@ -4035,7 +4035,7 @@
           <p:cNvPr id="15" name="Oval 14">
             <a:extLst>
               <a:ext uri="{FF2B5EF4-FFF2-40B4-BE49-F238E27FC236}">
-                <a16:creationId xmlns:a16="http://schemas.microsoft.com/office/drawing/2014/main" xmlns="" id="{478306B7-6A26-45F7-BD50-EEC8AB3C29B7}"/>
+                <a16:creationId xmlns="" xmlns:a16="http://schemas.microsoft.com/office/drawing/2014/main" id="{478306B7-6A26-45F7-BD50-EEC8AB3C29B7}"/>
               </a:ext>
             </a:extLst>
           </p:cNvPr>
@@ -4099,7 +4099,7 @@
     </p:spTree>
     <p:extLst>
       <p:ext uri="{BB962C8B-B14F-4D97-AF65-F5344CB8AC3E}">
-        <p14:creationId xmlns:p14="http://schemas.microsoft.com/office/powerpoint/2010/main" xmlns="" val="80426409"/>
+        <p14:creationId xmlns="" xmlns:p14="http://schemas.microsoft.com/office/powerpoint/2010/main" val="80426409"/>
       </p:ext>
     </p:extLst>
   </p:cSld>
@@ -6484,7 +6484,7 @@
           <p:cNvPr id="4" name="Title 3">
             <a:extLst>
               <a:ext uri="{FF2B5EF4-FFF2-40B4-BE49-F238E27FC236}">
-                <a16:creationId xmlns:a16="http://schemas.microsoft.com/office/drawing/2014/main" xmlns="" id="{D65A836F-346F-4099-BC7B-0D8F3B27F395}"/>
+                <a16:creationId xmlns="" xmlns:a16="http://schemas.microsoft.com/office/drawing/2014/main" id="{D65A836F-346F-4099-BC7B-0D8F3B27F395}"/>
               </a:ext>
             </a:extLst>
           </p:cNvPr>
@@ -6515,7 +6515,7 @@
           <p:cNvPr id="5" name="Subtitle 4">
             <a:extLst>
               <a:ext uri="{FF2B5EF4-FFF2-40B4-BE49-F238E27FC236}">
-                <a16:creationId xmlns:a16="http://schemas.microsoft.com/office/drawing/2014/main" xmlns="" id="{1FF39718-6251-4A5A-AAC7-767229317836}"/>
+                <a16:creationId xmlns="" xmlns:a16="http://schemas.microsoft.com/office/drawing/2014/main" id="{1FF39718-6251-4A5A-AAC7-767229317836}"/>
               </a:ext>
             </a:extLst>
           </p:cNvPr>
@@ -6580,7 +6580,7 @@
           <p:cNvPr id="11" name="Picture Placeholder 10" descr="Chemical composition model placed on the periodic table">
             <a:extLst>
               <a:ext uri="{FF2B5EF4-FFF2-40B4-BE49-F238E27FC236}">
-                <a16:creationId xmlns:a16="http://schemas.microsoft.com/office/drawing/2014/main" xmlns="" id="{AE2C20E2-EFA3-4244-944C-0AF879ED2A25}"/>
+                <a16:creationId xmlns="" xmlns:a16="http://schemas.microsoft.com/office/drawing/2014/main" id="{AE2C20E2-EFA3-4244-944C-0AF879ED2A25}"/>
               </a:ext>
             </a:extLst>
           </p:cNvPr>
@@ -6595,7 +6595,7 @@
           <a:blip r:embed="rId2" cstate="screen">
             <a:extLst>
               <a:ext uri="{28A0092B-C50C-407E-A947-70E740481C1C}">
-                <a14:useLocalDpi xmlns:a14="http://schemas.microsoft.com/office/drawing/2010/main" xmlns=""/>
+                <a14:useLocalDpi xmlns="" xmlns:a14="http://schemas.microsoft.com/office/drawing/2010/main"/>
               </a:ext>
             </a:extLst>
           </a:blip>
@@ -6612,7 +6612,7 @@
     </p:spTree>
     <p:extLst>
       <p:ext uri="{BB962C8B-B14F-4D97-AF65-F5344CB8AC3E}">
-        <p14:creationId xmlns:p14="http://schemas.microsoft.com/office/powerpoint/2010/main" xmlns="" val="473519245"/>
+        <p14:creationId xmlns="" xmlns:p14="http://schemas.microsoft.com/office/powerpoint/2010/main" val="473519245"/>
       </p:ext>
     </p:extLst>
   </p:cSld>
@@ -6663,7 +6663,7 @@
           <a:p>
             <a:r>
               <a:rPr lang="en-US" dirty="0" smtClean="0"/>
-              <a:t>Digital Inclusion?</a:t>
+              <a:t>Problem Statement</a:t>
             </a:r>
             <a:endParaRPr lang="en-IN" dirty="0"/>
           </a:p>
@@ -6686,8 +6686,8 @@
         </p:blipFill>
         <p:spPr bwMode="auto">
           <a:xfrm>
-            <a:off x="3286116" y="1095560"/>
-            <a:ext cx="5819795" cy="1333314"/>
+            <a:off x="3286116" y="1214428"/>
+            <a:ext cx="5572164" cy="1333314"/>
           </a:xfrm>
           <a:prstGeom prst="rect">
             <a:avLst/>
@@ -6720,7 +6720,7 @@
         <p:spPr bwMode="auto">
           <a:xfrm>
             <a:off x="142844" y="1357304"/>
-            <a:ext cx="3157544" cy="3207931"/>
+            <a:ext cx="3000396" cy="3207931"/>
           </a:xfrm>
           <a:prstGeom prst="rect">
             <a:avLst/>
@@ -6752,7 +6752,7 @@
         </p:blipFill>
         <p:spPr bwMode="auto">
           <a:xfrm>
-            <a:off x="7215206" y="2650331"/>
+            <a:off x="7358082" y="2578893"/>
             <a:ext cx="1747840" cy="2493169"/>
           </a:xfrm>
           <a:prstGeom prst="rect">
@@ -6785,7 +6785,7 @@
         </p:blipFill>
         <p:spPr bwMode="auto">
           <a:xfrm flipH="1">
-            <a:off x="7215206" y="1785932"/>
+            <a:off x="7358082" y="1785932"/>
             <a:ext cx="1641847" cy="857256"/>
           </a:xfrm>
           <a:prstGeom prst="rect">
@@ -6806,7 +6806,7 @@
           <p:cNvPr id="8" name="Content Placeholder 4">
             <a:extLst>
               <a:ext uri="{FF2B5EF4-FFF2-40B4-BE49-F238E27FC236}">
-                <a16:creationId xmlns:a16="http://schemas.microsoft.com/office/drawing/2014/main" xmlns="" id="{CEEB3BAE-C0B2-447C-B8BE-96C6BD84D658}"/>
+                <a16:creationId xmlns="" xmlns:a16="http://schemas.microsoft.com/office/drawing/2014/main" id="{CEEB3BAE-C0B2-447C-B8BE-96C6BD84D658}"/>
               </a:ext>
             </a:extLst>
           </p:cNvPr>
@@ -6827,7 +6827,9 @@
           </a:prstGeom>
         </p:spPr>
         <p:txBody>
-          <a:bodyPr/>
+          <a:bodyPr>
+            <a:normAutofit/>
+          </a:bodyPr>
           <a:lstStyle/>
           <a:p>
             <a:pPr>
@@ -6835,7 +6837,7 @@
             </a:pPr>
             <a:r>
               <a:rPr lang="en-US" sz="1600" b="1" u="sng" dirty="0" smtClean="0"/>
-              <a:t>Physical Currency Stats</a:t>
+              <a:t>Physical Currency</a:t>
             </a:r>
             <a:endParaRPr lang="en-US" sz="1600" b="1" u="sng" dirty="0"/>
           </a:p>
@@ -6858,7 +6860,7 @@
         </p:blipFill>
         <p:spPr bwMode="auto">
           <a:xfrm>
-            <a:off x="3865574" y="2928940"/>
+            <a:off x="3857620" y="2571750"/>
             <a:ext cx="2349500" cy="1538287"/>
           </a:xfrm>
           <a:prstGeom prst="rect">
@@ -6879,10 +6881,10 @@
           <p:cNvPr id="12" name="Straight Connector 11">
             <a:extLst>
               <a:ext uri="{FF2B5EF4-FFF2-40B4-BE49-F238E27FC236}">
-                <a16:creationId xmlns:a16="http://schemas.microsoft.com/office/drawing/2014/main" xmlns="" id="{5A563457-1EC8-4978-BCCB-AFD88C9ED04C}"/>
+                <a16:creationId xmlns="" xmlns:a16="http://schemas.microsoft.com/office/drawing/2014/main" id="{5A563457-1EC8-4978-BCCB-AFD88C9ED04C}"/>
               </a:ext>
               <a:ext uri="{C183D7F6-B498-43B3-948B-1728B52AA6E4}">
-                <adec:decorative xmlns:adec="http://schemas.microsoft.com/office/drawing/2017/decorative" xmlns="" val="1"/>
+                <adec:decorative xmlns="" xmlns:adec="http://schemas.microsoft.com/office/drawing/2017/decorative" val="1"/>
               </a:ext>
             </a:extLst>
           </p:cNvPr>
@@ -6891,7 +6893,7 @@
         </p:nvCxnSpPr>
         <p:spPr>
           <a:xfrm>
-            <a:off x="6786578" y="2428874"/>
+            <a:off x="6786578" y="2571768"/>
             <a:ext cx="0" cy="2411330"/>
           </a:xfrm>
           <a:prstGeom prst="line">
@@ -6925,10 +6927,10 @@
           <p:cNvPr id="13" name="Straight Connector 12">
             <a:extLst>
               <a:ext uri="{FF2B5EF4-FFF2-40B4-BE49-F238E27FC236}">
-                <a16:creationId xmlns:a16="http://schemas.microsoft.com/office/drawing/2014/main" xmlns="" id="{5A563457-1EC8-4978-BCCB-AFD88C9ED04C}"/>
+                <a16:creationId xmlns="" xmlns:a16="http://schemas.microsoft.com/office/drawing/2014/main" id="{5A563457-1EC8-4978-BCCB-AFD88C9ED04C}"/>
               </a:ext>
               <a:ext uri="{C183D7F6-B498-43B3-948B-1728B52AA6E4}">
-                <adec:decorative xmlns:adec="http://schemas.microsoft.com/office/drawing/2017/decorative" xmlns="" val="1"/>
+                <adec:decorative xmlns="" xmlns:adec="http://schemas.microsoft.com/office/drawing/2017/decorative" val="1"/>
               </a:ext>
             </a:extLst>
           </p:cNvPr>
@@ -6937,8 +6939,237 @@
         </p:nvCxnSpPr>
         <p:spPr>
           <a:xfrm rot="16200000" flipH="1">
-            <a:off x="1508947" y="2991597"/>
+            <a:off x="1366072" y="3063036"/>
             <a:ext cx="3625776" cy="71438"/>
+          </a:xfrm>
+          <a:prstGeom prst="line">
+            <a:avLst/>
+          </a:prstGeom>
+          <a:ln>
+            <a:solidFill>
+              <a:schemeClr val="bg1">
+                <a:lumMod val="95000"/>
+              </a:schemeClr>
+            </a:solidFill>
+          </a:ln>
+        </p:spPr>
+        <p:style>
+          <a:lnRef idx="1">
+            <a:schemeClr val="accent1"/>
+          </a:lnRef>
+          <a:fillRef idx="0">
+            <a:schemeClr val="accent1"/>
+          </a:fillRef>
+          <a:effectRef idx="0">
+            <a:schemeClr val="accent1"/>
+          </a:effectRef>
+          <a:fontRef idx="minor">
+            <a:schemeClr val="tx1"/>
+          </a:fontRef>
+        </p:style>
+      </p:cxnSp>
+      <p:sp>
+        <p:nvSpPr>
+          <p:cNvPr id="11" name="Content Placeholder 4">
+            <a:extLst>
+              <a:ext uri="{FF2B5EF4-FFF2-40B4-BE49-F238E27FC236}">
+                <a16:creationId xmlns="" xmlns:a16="http://schemas.microsoft.com/office/drawing/2014/main" id="{CEEB3BAE-C0B2-447C-B8BE-96C6BD84D658}"/>
+              </a:ext>
+            </a:extLst>
+          </p:cNvPr>
+          <p:cNvSpPr>
+            <a:spLocks noGrp="1"/>
+          </p:cNvSpPr>
+          <p:nvPr>
+            <p:ph sz="half" idx="4294967295"/>
+          </p:nvPr>
+        </p:nvSpPr>
+        <p:spPr>
+          <a:xfrm>
+            <a:off x="3286116" y="928676"/>
+            <a:ext cx="2500330" cy="428628"/>
+          </a:xfrm>
+          <a:prstGeom prst="rect">
+            <a:avLst/>
+          </a:prstGeom>
+        </p:spPr>
+        <p:txBody>
+          <a:bodyPr>
+            <a:normAutofit/>
+          </a:bodyPr>
+          <a:lstStyle/>
+          <a:p>
+            <a:pPr>
+              <a:buNone/>
+            </a:pPr>
+            <a:r>
+              <a:rPr lang="en-US" sz="1600" b="1" u="sng" dirty="0" smtClean="0"/>
+              <a:t>Digital Inclusion?</a:t>
+            </a:r>
+            <a:endParaRPr lang="en-US" sz="1600" b="1" u="sng" dirty="0"/>
+          </a:p>
+        </p:txBody>
+      </p:sp>
+      <p:sp>
+        <p:nvSpPr>
+          <p:cNvPr id="14" name="Rectangle 13"/>
+          <p:cNvSpPr/>
+          <p:nvPr/>
+        </p:nvSpPr>
+        <p:spPr>
+          <a:xfrm>
+            <a:off x="3786182" y="4286262"/>
+            <a:ext cx="1782860" cy="369332"/>
+          </a:xfrm>
+          <a:prstGeom prst="rect">
+            <a:avLst/>
+          </a:prstGeom>
+        </p:spPr>
+        <p:txBody>
+          <a:bodyPr wrap="none">
+            <a:spAutoFit/>
+          </a:bodyPr>
+          <a:lstStyle/>
+          <a:p>
+            <a:r>
+              <a:rPr lang="en-US" b="1" u="sng" dirty="0" smtClean="0"/>
+              <a:t>Social Distancing</a:t>
+            </a:r>
+            <a:endParaRPr lang="en-IN" b="1" u="sng" dirty="0"/>
+          </a:p>
+        </p:txBody>
+      </p:sp>
+      <p:pic>
+        <p:nvPicPr>
+          <p:cNvPr id="1026" name="Picture 2"/>
+          <p:cNvPicPr>
+            <a:picLocks noChangeAspect="1" noChangeArrowheads="1"/>
+          </p:cNvPicPr>
+          <p:nvPr/>
+        </p:nvPicPr>
+        <p:blipFill>
+          <a:blip r:embed="rId7"/>
+          <a:srcRect/>
+          <a:stretch>
+            <a:fillRect/>
+          </a:stretch>
+        </p:blipFill>
+        <p:spPr bwMode="auto">
+          <a:xfrm>
+            <a:off x="5715008" y="4357700"/>
+            <a:ext cx="571504" cy="673637"/>
+          </a:xfrm>
+          <a:prstGeom prst="rect">
+            <a:avLst/>
+          </a:prstGeom>
+          <a:noFill/>
+          <a:ln w="9525">
+            <a:noFill/>
+            <a:miter lim="800000"/>
+            <a:headEnd/>
+            <a:tailEnd/>
+          </a:ln>
+          <a:effectLst/>
+        </p:spPr>
+      </p:pic>
+      <p:pic>
+        <p:nvPicPr>
+          <p:cNvPr id="1027" name="Picture 3"/>
+          <p:cNvPicPr>
+            <a:picLocks noChangeAspect="1" noChangeArrowheads="1"/>
+          </p:cNvPicPr>
+          <p:nvPr/>
+        </p:nvPicPr>
+        <p:blipFill>
+          <a:blip r:embed="rId8"/>
+          <a:srcRect/>
+          <a:stretch>
+            <a:fillRect/>
+          </a:stretch>
+        </p:blipFill>
+        <p:spPr bwMode="auto">
+          <a:xfrm>
+            <a:off x="3786182" y="4700604"/>
+            <a:ext cx="1785950" cy="300038"/>
+          </a:xfrm>
+          <a:prstGeom prst="rect">
+            <a:avLst/>
+          </a:prstGeom>
+          <a:noFill/>
+          <a:ln w="9525">
+            <a:noFill/>
+            <a:miter lim="800000"/>
+            <a:headEnd/>
+            <a:tailEnd/>
+          </a:ln>
+          <a:effectLst/>
+        </p:spPr>
+      </p:pic>
+      <p:cxnSp>
+        <p:nvCxnSpPr>
+          <p:cNvPr id="15" name="Straight Connector 14">
+            <a:extLst>
+              <a:ext uri="{FF2B5EF4-FFF2-40B4-BE49-F238E27FC236}">
+                <a16:creationId xmlns="" xmlns:a16="http://schemas.microsoft.com/office/drawing/2014/main" id="{5A563457-1EC8-4978-BCCB-AFD88C9ED04C}"/>
+              </a:ext>
+              <a:ext uri="{C183D7F6-B498-43B3-948B-1728B52AA6E4}">
+                <adec:decorative xmlns="" xmlns:adec="http://schemas.microsoft.com/office/drawing/2017/decorative" val="1"/>
+              </a:ext>
+            </a:extLst>
+          </p:cNvPr>
+          <p:cNvCxnSpPr/>
+          <p:nvPr/>
+        </p:nvCxnSpPr>
+        <p:spPr>
+          <a:xfrm rot="5400000">
+            <a:off x="5653136" y="3562316"/>
+            <a:ext cx="2982852" cy="1588"/>
+          </a:xfrm>
+          <a:prstGeom prst="line">
+            <a:avLst/>
+          </a:prstGeom>
+          <a:ln>
+            <a:solidFill>
+              <a:schemeClr val="bg1">
+                <a:lumMod val="95000"/>
+              </a:schemeClr>
+            </a:solidFill>
+          </a:ln>
+        </p:spPr>
+        <p:style>
+          <a:lnRef idx="1">
+            <a:schemeClr val="accent1"/>
+          </a:lnRef>
+          <a:fillRef idx="0">
+            <a:schemeClr val="accent1"/>
+          </a:fillRef>
+          <a:effectRef idx="0">
+            <a:schemeClr val="accent1"/>
+          </a:effectRef>
+          <a:fontRef idx="minor">
+            <a:schemeClr val="tx1"/>
+          </a:fontRef>
+        </p:style>
+      </p:cxnSp>
+      <p:cxnSp>
+        <p:nvCxnSpPr>
+          <p:cNvPr id="17" name="Straight Connector 16">
+            <a:extLst>
+              <a:ext uri="{FF2B5EF4-FFF2-40B4-BE49-F238E27FC236}">
+                <a16:creationId xmlns="" xmlns:a16="http://schemas.microsoft.com/office/drawing/2014/main" id="{5A563457-1EC8-4978-BCCB-AFD88C9ED04C}"/>
+              </a:ext>
+              <a:ext uri="{C183D7F6-B498-43B3-948B-1728B52AA6E4}">
+                <adec:decorative xmlns="" xmlns:adec="http://schemas.microsoft.com/office/drawing/2017/decorative" val="1"/>
+              </a:ext>
+            </a:extLst>
+          </p:cNvPr>
+          <p:cNvCxnSpPr/>
+          <p:nvPr/>
+        </p:nvCxnSpPr>
+        <p:spPr>
+          <a:xfrm>
+            <a:off x="3571868" y="4214824"/>
+            <a:ext cx="3000396" cy="1588"/>
           </a:xfrm>
           <a:prstGeom prst="line">
             <a:avLst/>
@@ -7494,10 +7725,10 @@
           <p:cNvPr id="24" name="Straight Connector 23">
             <a:extLst>
               <a:ext uri="{FF2B5EF4-FFF2-40B4-BE49-F238E27FC236}">
-                <a16:creationId xmlns:a16="http://schemas.microsoft.com/office/drawing/2014/main" xmlns="" id="{5A563457-1EC8-4978-BCCB-AFD88C9ED04C}"/>
+                <a16:creationId xmlns="" xmlns:a16="http://schemas.microsoft.com/office/drawing/2014/main" id="{5A563457-1EC8-4978-BCCB-AFD88C9ED04C}"/>
               </a:ext>
               <a:ext uri="{C183D7F6-B498-43B3-948B-1728B52AA6E4}">
-                <adec:decorative xmlns:adec="http://schemas.microsoft.com/office/drawing/2017/decorative" xmlns="" val="1"/>
+                <adec:decorative xmlns="" xmlns:adec="http://schemas.microsoft.com/office/drawing/2017/decorative" val="1"/>
               </a:ext>
             </a:extLst>
           </p:cNvPr>
@@ -7538,10 +7769,10 @@
           <p:cNvPr id="28" name="Straight Connector 27">
             <a:extLst>
               <a:ext uri="{FF2B5EF4-FFF2-40B4-BE49-F238E27FC236}">
-                <a16:creationId xmlns:a16="http://schemas.microsoft.com/office/drawing/2014/main" xmlns="" id="{5A563457-1EC8-4978-BCCB-AFD88C9ED04C}"/>
+                <a16:creationId xmlns="" xmlns:a16="http://schemas.microsoft.com/office/drawing/2014/main" id="{5A563457-1EC8-4978-BCCB-AFD88C9ED04C}"/>
               </a:ext>
               <a:ext uri="{C183D7F6-B498-43B3-948B-1728B52AA6E4}">
-                <adec:decorative xmlns:adec="http://schemas.microsoft.com/office/drawing/2017/decorative" xmlns="" val="1"/>
+                <adec:decorative xmlns="" xmlns:adec="http://schemas.microsoft.com/office/drawing/2017/decorative" val="1"/>
               </a:ext>
             </a:extLst>
           </p:cNvPr>
@@ -7794,11 +8025,7 @@
           <a:p>
             <a:r>
               <a:rPr lang="en-IN" sz="1200" dirty="0" smtClean="0"/>
-              <a:t>https://</a:t>
-            </a:r>
-            <a:r>
-              <a:rPr lang="en-IN" sz="1200" dirty="0" smtClean="0"/>
-              <a:t>anbu992003.github.io/work/index.html</a:t>
+              <a:t>https://anbu992003.github.io/work/index.html</a:t>
             </a:r>
             <a:endParaRPr lang="en-IN" sz="1200" dirty="0"/>
           </a:p>
@@ -7864,6 +8091,13 @@
   <p:clrMapOvr>
     <a:masterClrMapping/>
   </p:clrMapOvr>
+  <p:timing>
+    <p:tnLst>
+      <p:par>
+        <p:cTn id="1" dur="indefinite" restart="never" nodeType="tmRoot"/>
+      </p:par>
+    </p:tnLst>
+  </p:timing>
 </p:sld>
 </file>
 

--- a/demo/AR_Digital_Inclusion.pptx
+++ b/demo/AR_Digital_Inclusion.pptx
@@ -3188,7 +3188,7 @@
           <p:cNvPr id="5" name="Rectangle 4">
             <a:extLst>
               <a:ext uri="{FF2B5EF4-FFF2-40B4-BE49-F238E27FC236}">
-                <a16:creationId xmlns="" xmlns:a16="http://schemas.microsoft.com/office/drawing/2014/main" id="{FB38C5F0-DD3F-421F-B67F-B1E6D9834A54}"/>
+                <a16:creationId xmlns:a16="http://schemas.microsoft.com/office/drawing/2014/main" xmlns="" id="{FB38C5F0-DD3F-421F-B67F-B1E6D9834A54}"/>
               </a:ext>
             </a:extLst>
           </p:cNvPr>
@@ -3263,7 +3263,7 @@
           <p:cNvPr id="10" name="Picture Placeholder 9">
             <a:extLst>
               <a:ext uri="{FF2B5EF4-FFF2-40B4-BE49-F238E27FC236}">
-                <a16:creationId xmlns="" xmlns:a16="http://schemas.microsoft.com/office/drawing/2014/main" id="{140927D5-AE1A-4ABD-BD8F-2F78723FF0D6}"/>
+                <a16:creationId xmlns:a16="http://schemas.microsoft.com/office/drawing/2014/main" xmlns="" id="{140927D5-AE1A-4ABD-BD8F-2F78723FF0D6}"/>
               </a:ext>
             </a:extLst>
           </p:cNvPr>
@@ -3313,7 +3313,7 @@
           <p:cNvPr id="9" name="Graphic 2">
             <a:extLst>
               <a:ext uri="{FF2B5EF4-FFF2-40B4-BE49-F238E27FC236}">
-                <a16:creationId xmlns="" xmlns:a16="http://schemas.microsoft.com/office/drawing/2014/main" id="{07258B3B-F27C-4B7D-A23C-8548E3945C82}"/>
+                <a16:creationId xmlns:a16="http://schemas.microsoft.com/office/drawing/2014/main" xmlns="" id="{07258B3B-F27C-4B7D-A23C-8548E3945C82}"/>
               </a:ext>
             </a:extLst>
           </p:cNvPr>
@@ -3523,7 +3523,7 @@
           <p:cNvPr id="11" name="Graphic 1318">
             <a:extLst>
               <a:ext uri="{FF2B5EF4-FFF2-40B4-BE49-F238E27FC236}">
-                <a16:creationId xmlns="" xmlns:a16="http://schemas.microsoft.com/office/drawing/2014/main" id="{1C96E32E-5EED-4364-AD42-000B0644E093}"/>
+                <a16:creationId xmlns:a16="http://schemas.microsoft.com/office/drawing/2014/main" xmlns="" id="{1C96E32E-5EED-4364-AD42-000B0644E093}"/>
               </a:ext>
             </a:extLst>
           </p:cNvPr>
@@ -3654,7 +3654,7 @@
           <p:cNvPr id="2" name="Title 1">
             <a:extLst>
               <a:ext uri="{FF2B5EF4-FFF2-40B4-BE49-F238E27FC236}">
-                <a16:creationId xmlns="" xmlns:a16="http://schemas.microsoft.com/office/drawing/2014/main" id="{8487E03C-DE68-4CE8-A7F1-B9DD28846BC8}"/>
+                <a16:creationId xmlns:a16="http://schemas.microsoft.com/office/drawing/2014/main" xmlns="" id="{8487E03C-DE68-4CE8-A7F1-B9DD28846BC8}"/>
               </a:ext>
             </a:extLst>
           </p:cNvPr>
@@ -3699,7 +3699,7 @@
           <p:cNvPr id="3" name="Subtitle 2">
             <a:extLst>
               <a:ext uri="{FF2B5EF4-FFF2-40B4-BE49-F238E27FC236}">
-                <a16:creationId xmlns="" xmlns:a16="http://schemas.microsoft.com/office/drawing/2014/main" id="{7EEE8855-FE55-4351-B21B-FE33CB8050C1}"/>
+                <a16:creationId xmlns:a16="http://schemas.microsoft.com/office/drawing/2014/main" xmlns="" id="{7EEE8855-FE55-4351-B21B-FE33CB8050C1}"/>
               </a:ext>
             </a:extLst>
           </p:cNvPr>
@@ -3774,7 +3774,7 @@
           <p:cNvPr id="7" name="Rectangle 6">
             <a:extLst>
               <a:ext uri="{FF2B5EF4-FFF2-40B4-BE49-F238E27FC236}">
-                <a16:creationId xmlns="" xmlns:a16="http://schemas.microsoft.com/office/drawing/2014/main" id="{3C922C40-AA75-4865-AF08-92AD59937F32}"/>
+                <a16:creationId xmlns:a16="http://schemas.microsoft.com/office/drawing/2014/main" xmlns="" id="{3C922C40-AA75-4865-AF08-92AD59937F32}"/>
               </a:ext>
             </a:extLst>
           </p:cNvPr>
@@ -3844,7 +3844,7 @@
           <p:cNvPr id="6" name="Rectangle 5">
             <a:extLst>
               <a:ext uri="{FF2B5EF4-FFF2-40B4-BE49-F238E27FC236}">
-                <a16:creationId xmlns="" xmlns:a16="http://schemas.microsoft.com/office/drawing/2014/main" id="{A860F26B-727B-4098-8DA8-CB088D629D58}"/>
+                <a16:creationId xmlns:a16="http://schemas.microsoft.com/office/drawing/2014/main" xmlns="" id="{A860F26B-727B-4098-8DA8-CB088D629D58}"/>
               </a:ext>
             </a:extLst>
           </p:cNvPr>
@@ -3896,7 +3896,7 @@
           <p:cNvPr id="13" name="Oval 12">
             <a:extLst>
               <a:ext uri="{FF2B5EF4-FFF2-40B4-BE49-F238E27FC236}">
-                <a16:creationId xmlns="" xmlns:a16="http://schemas.microsoft.com/office/drawing/2014/main" id="{5E751D76-8783-4005-B4E5-D67E235A5BAD}"/>
+                <a16:creationId xmlns:a16="http://schemas.microsoft.com/office/drawing/2014/main" xmlns="" id="{5E751D76-8783-4005-B4E5-D67E235A5BAD}"/>
               </a:ext>
             </a:extLst>
           </p:cNvPr>
@@ -3969,7 +3969,7 @@
           <p:cNvPr id="14" name="Oval 13">
             <a:extLst>
               <a:ext uri="{FF2B5EF4-FFF2-40B4-BE49-F238E27FC236}">
-                <a16:creationId xmlns="" xmlns:a16="http://schemas.microsoft.com/office/drawing/2014/main" id="{966C7A50-4018-4974-AB47-424E0ECC0F14}"/>
+                <a16:creationId xmlns:a16="http://schemas.microsoft.com/office/drawing/2014/main" xmlns="" id="{966C7A50-4018-4974-AB47-424E0ECC0F14}"/>
               </a:ext>
             </a:extLst>
           </p:cNvPr>
@@ -4035,7 +4035,7 @@
           <p:cNvPr id="15" name="Oval 14">
             <a:extLst>
               <a:ext uri="{FF2B5EF4-FFF2-40B4-BE49-F238E27FC236}">
-                <a16:creationId xmlns="" xmlns:a16="http://schemas.microsoft.com/office/drawing/2014/main" id="{478306B7-6A26-45F7-BD50-EEC8AB3C29B7}"/>
+                <a16:creationId xmlns:a16="http://schemas.microsoft.com/office/drawing/2014/main" xmlns="" id="{478306B7-6A26-45F7-BD50-EEC8AB3C29B7}"/>
               </a:ext>
             </a:extLst>
           </p:cNvPr>
@@ -4099,7 +4099,7 @@
     </p:spTree>
     <p:extLst>
       <p:ext uri="{BB962C8B-B14F-4D97-AF65-F5344CB8AC3E}">
-        <p14:creationId xmlns="" xmlns:p14="http://schemas.microsoft.com/office/powerpoint/2010/main" val="80426409"/>
+        <p14:creationId xmlns:p14="http://schemas.microsoft.com/office/powerpoint/2010/main" xmlns="" val="80426409"/>
       </p:ext>
     </p:extLst>
   </p:cSld>
@@ -6484,7 +6484,7 @@
           <p:cNvPr id="4" name="Title 3">
             <a:extLst>
               <a:ext uri="{FF2B5EF4-FFF2-40B4-BE49-F238E27FC236}">
-                <a16:creationId xmlns="" xmlns:a16="http://schemas.microsoft.com/office/drawing/2014/main" id="{D65A836F-346F-4099-BC7B-0D8F3B27F395}"/>
+                <a16:creationId xmlns:a16="http://schemas.microsoft.com/office/drawing/2014/main" xmlns="" id="{D65A836F-346F-4099-BC7B-0D8F3B27F395}"/>
               </a:ext>
             </a:extLst>
           </p:cNvPr>
@@ -6515,7 +6515,7 @@
           <p:cNvPr id="5" name="Subtitle 4">
             <a:extLst>
               <a:ext uri="{FF2B5EF4-FFF2-40B4-BE49-F238E27FC236}">
-                <a16:creationId xmlns="" xmlns:a16="http://schemas.microsoft.com/office/drawing/2014/main" id="{1FF39718-6251-4A5A-AAC7-767229317836}"/>
+                <a16:creationId xmlns:a16="http://schemas.microsoft.com/office/drawing/2014/main" xmlns="" id="{1FF39718-6251-4A5A-AAC7-767229317836}"/>
               </a:ext>
             </a:extLst>
           </p:cNvPr>
@@ -6580,7 +6580,7 @@
           <p:cNvPr id="11" name="Picture Placeholder 10" descr="Chemical composition model placed on the periodic table">
             <a:extLst>
               <a:ext uri="{FF2B5EF4-FFF2-40B4-BE49-F238E27FC236}">
-                <a16:creationId xmlns="" xmlns:a16="http://schemas.microsoft.com/office/drawing/2014/main" id="{AE2C20E2-EFA3-4244-944C-0AF879ED2A25}"/>
+                <a16:creationId xmlns:a16="http://schemas.microsoft.com/office/drawing/2014/main" xmlns="" id="{AE2C20E2-EFA3-4244-944C-0AF879ED2A25}"/>
               </a:ext>
             </a:extLst>
           </p:cNvPr>
@@ -6595,7 +6595,7 @@
           <a:blip r:embed="rId2" cstate="screen">
             <a:extLst>
               <a:ext uri="{28A0092B-C50C-407E-A947-70E740481C1C}">
-                <a14:useLocalDpi xmlns="" xmlns:a14="http://schemas.microsoft.com/office/drawing/2010/main"/>
+                <a14:useLocalDpi xmlns:a14="http://schemas.microsoft.com/office/drawing/2010/main" xmlns=""/>
               </a:ext>
             </a:extLst>
           </a:blip>
@@ -6612,7 +6612,7 @@
     </p:spTree>
     <p:extLst>
       <p:ext uri="{BB962C8B-B14F-4D97-AF65-F5344CB8AC3E}">
-        <p14:creationId xmlns="" xmlns:p14="http://schemas.microsoft.com/office/powerpoint/2010/main" val="473519245"/>
+        <p14:creationId xmlns:p14="http://schemas.microsoft.com/office/powerpoint/2010/main" xmlns="" val="473519245"/>
       </p:ext>
     </p:extLst>
   </p:cSld>
@@ -6663,7 +6663,7 @@
           <a:p>
             <a:r>
               <a:rPr lang="en-US" dirty="0" smtClean="0"/>
-              <a:t>Problem Statement</a:t>
+              <a:t>AR – Contactless Cash Withdraw</a:t>
             </a:r>
             <a:endParaRPr lang="en-IN" dirty="0"/>
           </a:p>
@@ -6806,7 +6806,7 @@
           <p:cNvPr id="8" name="Content Placeholder 4">
             <a:extLst>
               <a:ext uri="{FF2B5EF4-FFF2-40B4-BE49-F238E27FC236}">
-                <a16:creationId xmlns="" xmlns:a16="http://schemas.microsoft.com/office/drawing/2014/main" id="{CEEB3BAE-C0B2-447C-B8BE-96C6BD84D658}"/>
+                <a16:creationId xmlns:a16="http://schemas.microsoft.com/office/drawing/2014/main" xmlns="" id="{CEEB3BAE-C0B2-447C-B8BE-96C6BD84D658}"/>
               </a:ext>
             </a:extLst>
           </p:cNvPr>
@@ -6881,10 +6881,10 @@
           <p:cNvPr id="12" name="Straight Connector 11">
             <a:extLst>
               <a:ext uri="{FF2B5EF4-FFF2-40B4-BE49-F238E27FC236}">
-                <a16:creationId xmlns="" xmlns:a16="http://schemas.microsoft.com/office/drawing/2014/main" id="{5A563457-1EC8-4978-BCCB-AFD88C9ED04C}"/>
+                <a16:creationId xmlns:a16="http://schemas.microsoft.com/office/drawing/2014/main" xmlns="" id="{5A563457-1EC8-4978-BCCB-AFD88C9ED04C}"/>
               </a:ext>
               <a:ext uri="{C183D7F6-B498-43B3-948B-1728B52AA6E4}">
-                <adec:decorative xmlns="" xmlns:adec="http://schemas.microsoft.com/office/drawing/2017/decorative" val="1"/>
+                <adec:decorative xmlns:adec="http://schemas.microsoft.com/office/drawing/2017/decorative" xmlns="" val="1"/>
               </a:ext>
             </a:extLst>
           </p:cNvPr>
@@ -6927,10 +6927,10 @@
           <p:cNvPr id="13" name="Straight Connector 12">
             <a:extLst>
               <a:ext uri="{FF2B5EF4-FFF2-40B4-BE49-F238E27FC236}">
-                <a16:creationId xmlns="" xmlns:a16="http://schemas.microsoft.com/office/drawing/2014/main" id="{5A563457-1EC8-4978-BCCB-AFD88C9ED04C}"/>
+                <a16:creationId xmlns:a16="http://schemas.microsoft.com/office/drawing/2014/main" xmlns="" id="{5A563457-1EC8-4978-BCCB-AFD88C9ED04C}"/>
               </a:ext>
               <a:ext uri="{C183D7F6-B498-43B3-948B-1728B52AA6E4}">
-                <adec:decorative xmlns="" xmlns:adec="http://schemas.microsoft.com/office/drawing/2017/decorative" val="1"/>
+                <adec:decorative xmlns:adec="http://schemas.microsoft.com/office/drawing/2017/decorative" xmlns="" val="1"/>
               </a:ext>
             </a:extLst>
           </p:cNvPr>
@@ -6973,7 +6973,7 @@
           <p:cNvPr id="11" name="Content Placeholder 4">
             <a:extLst>
               <a:ext uri="{FF2B5EF4-FFF2-40B4-BE49-F238E27FC236}">
-                <a16:creationId xmlns="" xmlns:a16="http://schemas.microsoft.com/office/drawing/2014/main" id="{CEEB3BAE-C0B2-447C-B8BE-96C6BD84D658}"/>
+                <a16:creationId xmlns:a16="http://schemas.microsoft.com/office/drawing/2014/main" xmlns="" id="{CEEB3BAE-C0B2-447C-B8BE-96C6BD84D658}"/>
               </a:ext>
             </a:extLst>
           </p:cNvPr>
@@ -7110,10 +7110,10 @@
           <p:cNvPr id="15" name="Straight Connector 14">
             <a:extLst>
               <a:ext uri="{FF2B5EF4-FFF2-40B4-BE49-F238E27FC236}">
-                <a16:creationId xmlns="" xmlns:a16="http://schemas.microsoft.com/office/drawing/2014/main" id="{5A563457-1EC8-4978-BCCB-AFD88C9ED04C}"/>
+                <a16:creationId xmlns:a16="http://schemas.microsoft.com/office/drawing/2014/main" xmlns="" id="{5A563457-1EC8-4978-BCCB-AFD88C9ED04C}"/>
               </a:ext>
               <a:ext uri="{C183D7F6-B498-43B3-948B-1728B52AA6E4}">
-                <adec:decorative xmlns="" xmlns:adec="http://schemas.microsoft.com/office/drawing/2017/decorative" val="1"/>
+                <adec:decorative xmlns:adec="http://schemas.microsoft.com/office/drawing/2017/decorative" xmlns="" val="1"/>
               </a:ext>
             </a:extLst>
           </p:cNvPr>
@@ -7156,10 +7156,10 @@
           <p:cNvPr id="17" name="Straight Connector 16">
             <a:extLst>
               <a:ext uri="{FF2B5EF4-FFF2-40B4-BE49-F238E27FC236}">
-                <a16:creationId xmlns="" xmlns:a16="http://schemas.microsoft.com/office/drawing/2014/main" id="{5A563457-1EC8-4978-BCCB-AFD88C9ED04C}"/>
+                <a16:creationId xmlns:a16="http://schemas.microsoft.com/office/drawing/2014/main" xmlns="" id="{5A563457-1EC8-4978-BCCB-AFD88C9ED04C}"/>
               </a:ext>
               <a:ext uri="{C183D7F6-B498-43B3-948B-1728B52AA6E4}">
-                <adec:decorative xmlns="" xmlns:adec="http://schemas.microsoft.com/office/drawing/2017/decorative" val="1"/>
+                <adec:decorative xmlns:adec="http://schemas.microsoft.com/office/drawing/2017/decorative" xmlns="" val="1"/>
               </a:ext>
             </a:extLst>
           </p:cNvPr>
@@ -7725,10 +7725,10 @@
           <p:cNvPr id="24" name="Straight Connector 23">
             <a:extLst>
               <a:ext uri="{FF2B5EF4-FFF2-40B4-BE49-F238E27FC236}">
-                <a16:creationId xmlns="" xmlns:a16="http://schemas.microsoft.com/office/drawing/2014/main" id="{5A563457-1EC8-4978-BCCB-AFD88C9ED04C}"/>
+                <a16:creationId xmlns:a16="http://schemas.microsoft.com/office/drawing/2014/main" xmlns="" id="{5A563457-1EC8-4978-BCCB-AFD88C9ED04C}"/>
               </a:ext>
               <a:ext uri="{C183D7F6-B498-43B3-948B-1728B52AA6E4}">
-                <adec:decorative xmlns="" xmlns:adec="http://schemas.microsoft.com/office/drawing/2017/decorative" val="1"/>
+                <adec:decorative xmlns:adec="http://schemas.microsoft.com/office/drawing/2017/decorative" xmlns="" val="1"/>
               </a:ext>
             </a:extLst>
           </p:cNvPr>
@@ -7769,10 +7769,10 @@
           <p:cNvPr id="28" name="Straight Connector 27">
             <a:extLst>
               <a:ext uri="{FF2B5EF4-FFF2-40B4-BE49-F238E27FC236}">
-                <a16:creationId xmlns="" xmlns:a16="http://schemas.microsoft.com/office/drawing/2014/main" id="{5A563457-1EC8-4978-BCCB-AFD88C9ED04C}"/>
+                <a16:creationId xmlns:a16="http://schemas.microsoft.com/office/drawing/2014/main" xmlns="" id="{5A563457-1EC8-4978-BCCB-AFD88C9ED04C}"/>
               </a:ext>
               <a:ext uri="{C183D7F6-B498-43B3-948B-1728B52AA6E4}">
-                <adec:decorative xmlns="" xmlns:adec="http://schemas.microsoft.com/office/drawing/2017/decorative" val="1"/>
+                <adec:decorative xmlns:adec="http://schemas.microsoft.com/office/drawing/2017/decorative" xmlns="" val="1"/>
               </a:ext>
             </a:extLst>
           </p:cNvPr>
@@ -7899,6 +7899,72 @@
           </a:p>
         </p:txBody>
       </p:sp>
+      <p:pic>
+        <p:nvPicPr>
+          <p:cNvPr id="1026" name="Picture 2"/>
+          <p:cNvPicPr>
+            <a:picLocks noChangeAspect="1" noChangeArrowheads="1"/>
+          </p:cNvPicPr>
+          <p:nvPr/>
+        </p:nvPicPr>
+        <p:blipFill>
+          <a:blip r:embed="rId15" cstate="print"/>
+          <a:srcRect/>
+          <a:stretch>
+            <a:fillRect/>
+          </a:stretch>
+        </p:blipFill>
+        <p:spPr bwMode="auto">
+          <a:xfrm>
+            <a:off x="928662" y="3357568"/>
+            <a:ext cx="461949" cy="217171"/>
+          </a:xfrm>
+          <a:prstGeom prst="rect">
+            <a:avLst/>
+          </a:prstGeom>
+          <a:noFill/>
+          <a:ln w="9525">
+            <a:noFill/>
+            <a:miter lim="800000"/>
+            <a:headEnd/>
+            <a:tailEnd/>
+          </a:ln>
+          <a:effectLst/>
+        </p:spPr>
+      </p:pic>
+      <p:pic>
+        <p:nvPicPr>
+          <p:cNvPr id="1027" name="Picture 3"/>
+          <p:cNvPicPr>
+            <a:picLocks noChangeAspect="1" noChangeArrowheads="1"/>
+          </p:cNvPicPr>
+          <p:nvPr/>
+        </p:nvPicPr>
+        <p:blipFill>
+          <a:blip r:embed="rId16" cstate="print"/>
+          <a:srcRect/>
+          <a:stretch>
+            <a:fillRect/>
+          </a:stretch>
+        </p:blipFill>
+        <p:spPr bwMode="auto">
+          <a:xfrm>
+            <a:off x="928663" y="3837640"/>
+            <a:ext cx="285752" cy="514586"/>
+          </a:xfrm>
+          <a:prstGeom prst="rect">
+            <a:avLst/>
+          </a:prstGeom>
+          <a:noFill/>
+          <a:ln w="9525">
+            <a:noFill/>
+            <a:miter lim="800000"/>
+            <a:headEnd/>
+            <a:tailEnd/>
+          </a:ln>
+          <a:effectLst/>
+        </p:spPr>
+      </p:pic>
     </p:spTree>
   </p:cSld>
   <p:clrMapOvr>
